--- a/7. 게임 데이터와 빌드하기.pptx
+++ b/7. 게임 데이터와 빌드하기.pptx
@@ -43,25 +43,25 @@
   <p:notesSz cx="6858000" cy="9144000"/>
   <p:embeddedFontLst>
     <p:embeddedFont>
-      <p:font typeface="나눔스퀘어 ExtraBold" panose="020B0600000101010101" pitchFamily="50" charset="-127"/>
+      <p:font typeface="Source Code Pro Black" panose="020B0809030403020204" pitchFamily="49" charset="0"/>
       <p:bold r:id="rId33"/>
+      <p:boldItalic r:id="rId34"/>
     </p:embeddedFont>
     <p:embeddedFont>
-      <p:font typeface="나눔스퀘어_ac" panose="020B0600000101010101" pitchFamily="50" charset="-127"/>
-      <p:regular r:id="rId34"/>
-    </p:embeddedFont>
-    <p:embeddedFont>
-      <p:font typeface="Source Code Pro Black" panose="020B0809030403020204" pitchFamily="49" charset="0"/>
+      <p:font typeface="Source Code Pro Semibold" panose="020B0609030403020204" pitchFamily="49" charset="0"/>
       <p:bold r:id="rId35"/>
       <p:boldItalic r:id="rId36"/>
     </p:embeddedFont>
     <p:embeddedFont>
-      <p:font typeface="Source Code Pro Semibold" panose="020B0609030403020204" pitchFamily="49" charset="0"/>
-      <p:bold r:id="rId37"/>
-      <p:boldItalic r:id="rId38"/>
+      <p:font typeface="Wingdings 2" panose="05020102010507070707" pitchFamily="18" charset="2"/>
+      <p:regular r:id="rId37"/>
     </p:embeddedFont>
     <p:embeddedFont>
-      <p:font typeface="Wingdings 2" panose="05020102010507070707" pitchFamily="18" charset="2"/>
+      <p:font typeface="나눔스퀘어 ExtraBold" panose="020B0600000101010101" pitchFamily="50" charset="-127"/>
+      <p:bold r:id="rId38"/>
+    </p:embeddedFont>
+    <p:embeddedFont>
+      <p:font typeface="나눔스퀘어_ac" panose="020B0600000101010101" pitchFamily="50" charset="-127"/>
       <p:regular r:id="rId39"/>
     </p:embeddedFont>
   </p:embeddedFontLst>
@@ -9274,7 +9274,7 @@
             </a:pPr>
             <a:r>
               <a:rPr lang="en-US" altLang="ko-KR" dirty="0" err="1"/>
-              <a:t>PlayPref</a:t>
+              <a:t>PlayerPref</a:t>
             </a:r>
             <a:endParaRPr lang="en-US" altLang="ko-KR" dirty="0"/>
           </a:p>
@@ -9329,10 +9329,7 @@
             <a:endParaRPr lang="en-US" altLang="ko-KR" dirty="0"/>
           </a:p>
           <a:p>
-            <a:pPr marL="788670" lvl="1" indent="-514350">
-              <a:buFont typeface="+mj-lt"/>
-              <a:buAutoNum type="arabicPeriod"/>
-            </a:pPr>
+            <a:pPr lvl="1"/>
             <a:r>
               <a:rPr lang="ko-KR" altLang="en-US" dirty="0"/>
               <a:t>안드로이드</a:t>
@@ -9348,10 +9345,7 @@
             <a:endParaRPr lang="en-US" altLang="ko-KR" dirty="0"/>
           </a:p>
           <a:p>
-            <a:pPr marL="788670" lvl="1" indent="-514350">
-              <a:buFont typeface="+mj-lt"/>
-              <a:buAutoNum type="arabicPeriod"/>
-            </a:pPr>
+            <a:pPr lvl="1"/>
             <a:r>
               <a:rPr lang="en-US" altLang="ko-KR" dirty="0"/>
               <a:t>PC </a:t>
@@ -9363,10 +9357,7 @@
             <a:endParaRPr lang="en-US" altLang="ko-KR" dirty="0"/>
           </a:p>
           <a:p>
-            <a:pPr marL="788670" lvl="1" indent="-514350">
-              <a:buFont typeface="+mj-lt"/>
-              <a:buAutoNum type="arabicPeriod"/>
-            </a:pPr>
+            <a:pPr lvl="1"/>
             <a:r>
               <a:rPr lang="en-US" altLang="ko-KR" dirty="0"/>
               <a:t>Web </a:t>
@@ -9598,9 +9589,18 @@
             </a:r>
             <a:r>
               <a:rPr lang="ko-KR" altLang="en-US" dirty="0"/>
-              <a:t>필요</a:t>
+              <a:t>필요하다</a:t>
             </a:r>
             <a:endParaRPr lang="en-US" altLang="ko-KR" dirty="0"/>
+          </a:p>
+          <a:p>
+            <a:pPr marL="0" indent="0">
+              <a:buNone/>
+            </a:pPr>
+            <a:r>
+              <a:rPr lang="en-US" altLang="ko-KR" dirty="0"/>
+              <a:t>           +</a:t>
+            </a:r>
           </a:p>
           <a:p>
             <a:r>
@@ -9611,10 +9611,7 @@
               <a:rPr lang="ko-KR" altLang="en-US" dirty="0"/>
               <a:t>가 필요하다</a:t>
             </a:r>
-            <a:r>
-              <a:rPr lang="en-US" altLang="ko-KR" dirty="0"/>
-              <a:t>.</a:t>
-            </a:r>
+            <a:endParaRPr lang="en-US" altLang="ko-KR" dirty="0"/>
           </a:p>
           <a:p>
             <a:r>
@@ -9649,9 +9646,15 @@
               <a:rPr lang="ko-KR" altLang="en-US" dirty="0"/>
               <a:t>다운받아야 한다</a:t>
             </a:r>
-            <a:r>
-              <a:rPr lang="en-US" altLang="ko-KR" dirty="0"/>
-              <a:t>.</a:t>
+            <a:endParaRPr lang="en-US" altLang="ko-KR" dirty="0"/>
+          </a:p>
+          <a:p>
+            <a:pPr marL="0" indent="0">
+              <a:buNone/>
+            </a:pPr>
+            <a:r>
+              <a:rPr lang="en-US" altLang="ko-KR" dirty="0"/>
+              <a:t>           +</a:t>
             </a:r>
           </a:p>
           <a:p>
@@ -9927,9 +9930,18 @@
             </a:r>
             <a:r>
               <a:rPr lang="ko-KR" altLang="en-US" dirty="0"/>
-              <a:t>모듈 필요</a:t>
+              <a:t>모듈이 필요하다</a:t>
             </a:r>
             <a:endParaRPr lang="en-US" altLang="ko-KR" dirty="0"/>
+          </a:p>
+          <a:p>
+            <a:pPr marL="0" indent="0">
+              <a:buNone/>
+            </a:pPr>
+            <a:r>
+              <a:rPr lang="en-US" altLang="ko-KR" dirty="0"/>
+              <a:t>       +</a:t>
+            </a:r>
           </a:p>
           <a:p>
             <a:r>
@@ -10127,16 +10139,25 @@
           <a:p>
             <a:r>
               <a:rPr lang="ko-KR" altLang="en-US" dirty="0"/>
-              <a:t>비교적 최신 기능</a:t>
+              <a:t>비교적 최신 기능이다</a:t>
             </a:r>
             <a:endParaRPr lang="en-US" altLang="ko-KR" dirty="0"/>
           </a:p>
           <a:p>
             <a:r>
               <a:rPr lang="ko-KR" altLang="en-US" dirty="0"/>
-              <a:t>유니티를 웹에 올릴 수 있다</a:t>
+              <a:t>이제 유니티를 웹에 올릴 수 있다</a:t>
             </a:r>
             <a:endParaRPr lang="en-US" altLang="ko-KR" dirty="0"/>
+          </a:p>
+          <a:p>
+            <a:pPr marL="0" indent="0">
+              <a:buNone/>
+            </a:pPr>
+            <a:r>
+              <a:rPr lang="en-US" altLang="ko-KR" dirty="0"/>
+              <a:t>            +</a:t>
+            </a:r>
           </a:p>
           <a:p>
             <a:r>
@@ -10238,13 +10259,13 @@
         </p:nvSpPr>
         <p:spPr>
           <a:xfrm>
-            <a:off x="946404" y="1828801"/>
-            <a:ext cx="7009972" cy="4351337"/>
+            <a:off x="946403" y="1828801"/>
+            <a:ext cx="7495713" cy="4663439"/>
           </a:xfrm>
         </p:spPr>
         <p:txBody>
           <a:bodyPr>
-            <a:normAutofit fontScale="92500" lnSpcReduction="10000"/>
+            <a:normAutofit fontScale="92500" lnSpcReduction="20000"/>
           </a:bodyPr>
           <a:lstStyle/>
           <a:p>
@@ -10254,7 +10275,7 @@
             </a:r>
             <a:r>
               <a:rPr lang="en-US" altLang="ko-KR" dirty="0"/>
-              <a:t>- HTML5 </a:t>
+              <a:t>- WebGL </a:t>
             </a:r>
             <a:r>
               <a:rPr lang="ko-KR" altLang="en-US" dirty="0"/>
@@ -10283,10 +10304,7 @@
               <a:rPr lang="ko-KR" altLang="en-US" dirty="0"/>
               <a:t>한다</a:t>
             </a:r>
-            <a:r>
-              <a:rPr lang="en-US" altLang="ko-KR" dirty="0"/>
-              <a:t>.</a:t>
-            </a:r>
+            <a:endParaRPr lang="en-US" altLang="ko-KR" dirty="0"/>
           </a:p>
           <a:p>
             <a:r>
@@ -10302,7 +10320,13 @@
               <a:t>저장소의 </a:t>
             </a:r>
             <a:r>
-              <a:rPr lang="en-US" altLang="ko-KR" dirty="0"/>
+              <a:rPr lang="en-US" altLang="ko-KR" i="1" dirty="0">
+                <a:solidFill>
+                  <a:schemeClr val="tx1">
+                    <a:lumMod val="85000"/>
+                  </a:schemeClr>
+                </a:solidFill>
+              </a:rPr>
               <a:t>Settings &gt; GitHub Pages</a:t>
             </a:r>
             <a:r>
@@ -10321,17 +10345,14 @@
               <a:t>에서 </a:t>
             </a:r>
             <a:r>
-              <a:rPr lang="en-US" altLang="ko-KR" dirty="0"/>
+              <a:rPr lang="en-US" altLang="ko-KR" i="1" dirty="0"/>
               <a:t>master branch</a:t>
             </a:r>
             <a:r>
               <a:rPr lang="ko-KR" altLang="en-US" dirty="0"/>
               <a:t>를 선택한다</a:t>
             </a:r>
-            <a:r>
-              <a:rPr lang="en-US" altLang="ko-KR" dirty="0"/>
-              <a:t>.</a:t>
-            </a:r>
+            <a:endParaRPr lang="en-US" altLang="ko-KR" dirty="0"/>
           </a:p>
           <a:p>
             <a:endParaRPr lang="en-US" altLang="ko-KR" dirty="0"/>
@@ -10381,6 +10402,21 @@
               <a:rPr lang="en-US" altLang="ko-KR" dirty="0"/>
               <a:t>!</a:t>
             </a:r>
+          </a:p>
+          <a:p>
+            <a:r>
+              <a:rPr lang="ko-KR" altLang="en-US" dirty="0"/>
+              <a:t>안 되면 받은 링크 주소 뒤에 </a:t>
+            </a:r>
+            <a:r>
+              <a:rPr lang="en-US" altLang="ko-KR" dirty="0"/>
+              <a:t>index.html</a:t>
+            </a:r>
+            <a:r>
+              <a:rPr lang="ko-KR" altLang="en-US" dirty="0"/>
+              <a:t>을 추가로 쳐서 접속해보자</a:t>
+            </a:r>
+            <a:endParaRPr lang="en-US" altLang="ko-KR" dirty="0"/>
           </a:p>
         </p:txBody>
       </p:sp>
@@ -10406,7 +10442,7 @@
         </p:blipFill>
         <p:spPr>
           <a:xfrm>
-            <a:off x="1116655" y="3604189"/>
+            <a:off x="1171600" y="3316157"/>
             <a:ext cx="3429369" cy="1870565"/>
           </a:xfrm>
           <a:prstGeom prst="rect">
@@ -10436,7 +10472,7 @@
         </p:blipFill>
         <p:spPr>
           <a:xfrm>
-            <a:off x="4716275" y="4005064"/>
+            <a:off x="4771220" y="3717032"/>
             <a:ext cx="3670897" cy="1100877"/>
           </a:xfrm>
           <a:prstGeom prst="rect">
@@ -11665,7 +11701,7 @@
           <a:p>
             <a:r>
               <a:rPr lang="ko-KR" altLang="en-US" dirty="0"/>
-              <a:t>가독성이 좋아진다</a:t>
+              <a:t>가독성이 좋다</a:t>
             </a:r>
             <a:endParaRPr lang="en-US" altLang="ko-KR" dirty="0"/>
           </a:p>
@@ -11787,7 +11823,7 @@
             </a:r>
             <a:r>
               <a:rPr lang="ko-KR" altLang="en-US" dirty="0"/>
-              <a:t>가 제공해주는 방식의 </a:t>
+              <a:t>가 제공해주는 </a:t>
             </a:r>
             <a:r>
               <a:rPr lang="en-US" altLang="ko-KR" dirty="0" err="1"/>
